--- a/HourGlass/Assets/Präsentation3.pptx
+++ b/HourGlass/Assets/Präsentation3.pptx
@@ -197,7 +197,7 @@
           <a:p>
             <a:fld id="{1AA593C3-E430-4D35-AAB3-1ECEFE646914}" type="datetimeFigureOut">
               <a:rPr lang="de-DE" smtClean="0"/>
-              <a:t>24.08.2025</a:t>
+              <a:t>25.08.2025</a:t>
             </a:fld>
             <a:endParaRPr lang="de-DE"/>
           </a:p>
@@ -679,7 +679,7 @@
           <a:p>
             <a:fld id="{883ECEF7-B6E9-49C4-83BF-168FC5D45A15}" type="datetimeFigureOut">
               <a:rPr lang="de-DE" smtClean="0"/>
-              <a:t>24.08.2025</a:t>
+              <a:t>25.08.2025</a:t>
             </a:fld>
             <a:endParaRPr lang="de-DE"/>
           </a:p>
@@ -849,7 +849,7 @@
           <a:p>
             <a:fld id="{883ECEF7-B6E9-49C4-83BF-168FC5D45A15}" type="datetimeFigureOut">
               <a:rPr lang="de-DE" smtClean="0"/>
-              <a:t>24.08.2025</a:t>
+              <a:t>25.08.2025</a:t>
             </a:fld>
             <a:endParaRPr lang="de-DE"/>
           </a:p>
@@ -1029,7 +1029,7 @@
           <a:p>
             <a:fld id="{883ECEF7-B6E9-49C4-83BF-168FC5D45A15}" type="datetimeFigureOut">
               <a:rPr lang="de-DE" smtClean="0"/>
-              <a:t>24.08.2025</a:t>
+              <a:t>25.08.2025</a:t>
             </a:fld>
             <a:endParaRPr lang="de-DE"/>
           </a:p>
@@ -1199,7 +1199,7 @@
           <a:p>
             <a:fld id="{883ECEF7-B6E9-49C4-83BF-168FC5D45A15}" type="datetimeFigureOut">
               <a:rPr lang="de-DE" smtClean="0"/>
-              <a:t>24.08.2025</a:t>
+              <a:t>25.08.2025</a:t>
             </a:fld>
             <a:endParaRPr lang="de-DE"/>
           </a:p>
@@ -1445,7 +1445,7 @@
           <a:p>
             <a:fld id="{883ECEF7-B6E9-49C4-83BF-168FC5D45A15}" type="datetimeFigureOut">
               <a:rPr lang="de-DE" smtClean="0"/>
-              <a:t>24.08.2025</a:t>
+              <a:t>25.08.2025</a:t>
             </a:fld>
             <a:endParaRPr lang="de-DE"/>
           </a:p>
@@ -1677,7 +1677,7 @@
           <a:p>
             <a:fld id="{883ECEF7-B6E9-49C4-83BF-168FC5D45A15}" type="datetimeFigureOut">
               <a:rPr lang="de-DE" smtClean="0"/>
-              <a:t>24.08.2025</a:t>
+              <a:t>25.08.2025</a:t>
             </a:fld>
             <a:endParaRPr lang="de-DE"/>
           </a:p>
@@ -2044,7 +2044,7 @@
           <a:p>
             <a:fld id="{883ECEF7-B6E9-49C4-83BF-168FC5D45A15}" type="datetimeFigureOut">
               <a:rPr lang="de-DE" smtClean="0"/>
-              <a:t>24.08.2025</a:t>
+              <a:t>25.08.2025</a:t>
             </a:fld>
             <a:endParaRPr lang="de-DE"/>
           </a:p>
@@ -2162,7 +2162,7 @@
           <a:p>
             <a:fld id="{883ECEF7-B6E9-49C4-83BF-168FC5D45A15}" type="datetimeFigureOut">
               <a:rPr lang="de-DE" smtClean="0"/>
-              <a:t>24.08.2025</a:t>
+              <a:t>25.08.2025</a:t>
             </a:fld>
             <a:endParaRPr lang="de-DE"/>
           </a:p>
@@ -2257,7 +2257,7 @@
           <a:p>
             <a:fld id="{883ECEF7-B6E9-49C4-83BF-168FC5D45A15}" type="datetimeFigureOut">
               <a:rPr lang="de-DE" smtClean="0"/>
-              <a:t>24.08.2025</a:t>
+              <a:t>25.08.2025</a:t>
             </a:fld>
             <a:endParaRPr lang="de-DE"/>
           </a:p>
@@ -2534,7 +2534,7 @@
           <a:p>
             <a:fld id="{883ECEF7-B6E9-49C4-83BF-168FC5D45A15}" type="datetimeFigureOut">
               <a:rPr lang="de-DE" smtClean="0"/>
-              <a:t>24.08.2025</a:t>
+              <a:t>25.08.2025</a:t>
             </a:fld>
             <a:endParaRPr lang="de-DE"/>
           </a:p>
@@ -2791,7 +2791,7 @@
           <a:p>
             <a:fld id="{883ECEF7-B6E9-49C4-83BF-168FC5D45A15}" type="datetimeFigureOut">
               <a:rPr lang="de-DE" smtClean="0"/>
-              <a:t>24.08.2025</a:t>
+              <a:t>25.08.2025</a:t>
             </a:fld>
             <a:endParaRPr lang="de-DE"/>
           </a:p>
@@ -3004,7 +3004,7 @@
           <a:p>
             <a:fld id="{883ECEF7-B6E9-49C4-83BF-168FC5D45A15}" type="datetimeFigureOut">
               <a:rPr lang="de-DE" smtClean="0"/>
-              <a:t>24.08.2025</a:t>
+              <a:t>25.08.2025</a:t>
             </a:fld>
             <a:endParaRPr lang="de-DE"/>
           </a:p>
@@ -20341,6 +20341,163 @@
           </a:p>
         </p:txBody>
       </p:sp>
+      <p:sp>
+        <p:nvSpPr>
+          <p:cNvPr id="2" name="Ellipse 1">
+            <a:extLst>
+              <a:ext uri="{FF2B5EF4-FFF2-40B4-BE49-F238E27FC236}">
+                <a16:creationId xmlns:a16="http://schemas.microsoft.com/office/drawing/2014/main" id="{34CB0A75-BC89-4936-A3EB-003F521C2138}"/>
+              </a:ext>
+            </a:extLst>
+          </p:cNvPr>
+          <p:cNvSpPr/>
+          <p:nvPr/>
+        </p:nvSpPr>
+        <p:spPr>
+          <a:xfrm>
+            <a:off x="11513830" y="3232436"/>
+            <a:ext cx="558834" cy="545143"/>
+          </a:xfrm>
+          <a:prstGeom prst="ellipse">
+            <a:avLst/>
+          </a:prstGeom>
+          <a:solidFill>
+            <a:schemeClr val="tx1">
+              <a:lumMod val="50000"/>
+              <a:lumOff val="50000"/>
+            </a:schemeClr>
+          </a:solidFill>
+          <a:ln w="38100"/>
+        </p:spPr>
+        <p:style>
+          <a:lnRef idx="2">
+            <a:schemeClr val="accent1">
+              <a:shade val="15000"/>
+            </a:schemeClr>
+          </a:lnRef>
+          <a:fillRef idx="1">
+            <a:schemeClr val="accent1"/>
+          </a:fillRef>
+          <a:effectRef idx="0">
+            <a:schemeClr val="accent1"/>
+          </a:effectRef>
+          <a:fontRef idx="minor">
+            <a:schemeClr val="lt1"/>
+          </a:fontRef>
+        </p:style>
+        <p:txBody>
+          <a:bodyPr rtlCol="0" anchor="ctr"/>
+          <a:lstStyle/>
+          <a:p>
+            <a:pPr algn="ctr"/>
+            <a:endParaRPr lang="de-DE" sz="1890"/>
+          </a:p>
+        </p:txBody>
+      </p:sp>
+      <p:sp>
+        <p:nvSpPr>
+          <p:cNvPr id="6" name="Ellipse 5">
+            <a:extLst>
+              <a:ext uri="{FF2B5EF4-FFF2-40B4-BE49-F238E27FC236}">
+                <a16:creationId xmlns:a16="http://schemas.microsoft.com/office/drawing/2014/main" id="{B47E2BBE-7C9D-53D9-474C-C4BF26FDA94E}"/>
+              </a:ext>
+            </a:extLst>
+          </p:cNvPr>
+          <p:cNvSpPr/>
+          <p:nvPr/>
+        </p:nvSpPr>
+        <p:spPr>
+          <a:xfrm>
+            <a:off x="11513830" y="4160972"/>
+            <a:ext cx="558834" cy="545143"/>
+          </a:xfrm>
+          <a:prstGeom prst="ellipse">
+            <a:avLst/>
+          </a:prstGeom>
+          <a:solidFill>
+            <a:schemeClr val="bg2">
+              <a:lumMod val="50000"/>
+            </a:schemeClr>
+          </a:solidFill>
+          <a:ln w="38100"/>
+        </p:spPr>
+        <p:style>
+          <a:lnRef idx="2">
+            <a:schemeClr val="accent1">
+              <a:shade val="15000"/>
+            </a:schemeClr>
+          </a:lnRef>
+          <a:fillRef idx="1">
+            <a:schemeClr val="accent1"/>
+          </a:fillRef>
+          <a:effectRef idx="0">
+            <a:schemeClr val="accent1"/>
+          </a:effectRef>
+          <a:fontRef idx="minor">
+            <a:schemeClr val="lt1"/>
+          </a:fontRef>
+        </p:style>
+        <p:txBody>
+          <a:bodyPr rtlCol="0" anchor="ctr"/>
+          <a:lstStyle/>
+          <a:p>
+            <a:pPr algn="ctr"/>
+            <a:endParaRPr lang="de-DE" sz="1890" dirty="0"/>
+          </a:p>
+        </p:txBody>
+      </p:sp>
+      <p:sp>
+        <p:nvSpPr>
+          <p:cNvPr id="7" name="Ellipse 6">
+            <a:extLst>
+              <a:ext uri="{FF2B5EF4-FFF2-40B4-BE49-F238E27FC236}">
+                <a16:creationId xmlns:a16="http://schemas.microsoft.com/office/drawing/2014/main" id="{ABD46845-0BF7-80B5-39F7-E567CCB556EC}"/>
+              </a:ext>
+            </a:extLst>
+          </p:cNvPr>
+          <p:cNvSpPr/>
+          <p:nvPr/>
+        </p:nvSpPr>
+        <p:spPr>
+          <a:xfrm>
+            <a:off x="11513830" y="5110532"/>
+            <a:ext cx="558834" cy="545143"/>
+          </a:xfrm>
+          <a:prstGeom prst="ellipse">
+            <a:avLst/>
+          </a:prstGeom>
+          <a:solidFill>
+            <a:schemeClr val="bg2">
+              <a:lumMod val="50000"/>
+            </a:schemeClr>
+          </a:solidFill>
+          <a:ln w="38100"/>
+        </p:spPr>
+        <p:style>
+          <a:lnRef idx="2">
+            <a:schemeClr val="accent1">
+              <a:shade val="15000"/>
+            </a:schemeClr>
+          </a:lnRef>
+          <a:fillRef idx="1">
+            <a:schemeClr val="accent1"/>
+          </a:fillRef>
+          <a:effectRef idx="0">
+            <a:schemeClr val="accent1"/>
+          </a:effectRef>
+          <a:fontRef idx="minor">
+            <a:schemeClr val="lt1"/>
+          </a:fontRef>
+        </p:style>
+        <p:txBody>
+          <a:bodyPr rtlCol="0" anchor="ctr"/>
+          <a:lstStyle/>
+          <a:p>
+            <a:pPr algn="ctr"/>
+            <a:endParaRPr lang="de-DE" sz="1890" dirty="0"/>
+          </a:p>
+        </p:txBody>
+      </p:sp>
     </p:spTree>
     <p:extLst>
       <p:ext uri="{BB962C8B-B14F-4D97-AF65-F5344CB8AC3E}">

--- a/HourGlass/Assets/Präsentation3.pptx
+++ b/HourGlass/Assets/Präsentation3.pptx
@@ -197,7 +197,7 @@
           <a:p>
             <a:fld id="{1AA593C3-E430-4D35-AAB3-1ECEFE646914}" type="datetimeFigureOut">
               <a:rPr lang="de-DE" smtClean="0"/>
-              <a:t>25.08.2025</a:t>
+              <a:t>07.09.2025</a:t>
             </a:fld>
             <a:endParaRPr lang="de-DE"/>
           </a:p>
@@ -679,7 +679,7 @@
           <a:p>
             <a:fld id="{883ECEF7-B6E9-49C4-83BF-168FC5D45A15}" type="datetimeFigureOut">
               <a:rPr lang="de-DE" smtClean="0"/>
-              <a:t>25.08.2025</a:t>
+              <a:t>07.09.2025</a:t>
             </a:fld>
             <a:endParaRPr lang="de-DE"/>
           </a:p>
@@ -849,7 +849,7 @@
           <a:p>
             <a:fld id="{883ECEF7-B6E9-49C4-83BF-168FC5D45A15}" type="datetimeFigureOut">
               <a:rPr lang="de-DE" smtClean="0"/>
-              <a:t>25.08.2025</a:t>
+              <a:t>07.09.2025</a:t>
             </a:fld>
             <a:endParaRPr lang="de-DE"/>
           </a:p>
@@ -1029,7 +1029,7 @@
           <a:p>
             <a:fld id="{883ECEF7-B6E9-49C4-83BF-168FC5D45A15}" type="datetimeFigureOut">
               <a:rPr lang="de-DE" smtClean="0"/>
-              <a:t>25.08.2025</a:t>
+              <a:t>07.09.2025</a:t>
             </a:fld>
             <a:endParaRPr lang="de-DE"/>
           </a:p>
@@ -1199,7 +1199,7 @@
           <a:p>
             <a:fld id="{883ECEF7-B6E9-49C4-83BF-168FC5D45A15}" type="datetimeFigureOut">
               <a:rPr lang="de-DE" smtClean="0"/>
-              <a:t>25.08.2025</a:t>
+              <a:t>07.09.2025</a:t>
             </a:fld>
             <a:endParaRPr lang="de-DE"/>
           </a:p>
@@ -1445,7 +1445,7 @@
           <a:p>
             <a:fld id="{883ECEF7-B6E9-49C4-83BF-168FC5D45A15}" type="datetimeFigureOut">
               <a:rPr lang="de-DE" smtClean="0"/>
-              <a:t>25.08.2025</a:t>
+              <a:t>07.09.2025</a:t>
             </a:fld>
             <a:endParaRPr lang="de-DE"/>
           </a:p>
@@ -1677,7 +1677,7 @@
           <a:p>
             <a:fld id="{883ECEF7-B6E9-49C4-83BF-168FC5D45A15}" type="datetimeFigureOut">
               <a:rPr lang="de-DE" smtClean="0"/>
-              <a:t>25.08.2025</a:t>
+              <a:t>07.09.2025</a:t>
             </a:fld>
             <a:endParaRPr lang="de-DE"/>
           </a:p>
@@ -2044,7 +2044,7 @@
           <a:p>
             <a:fld id="{883ECEF7-B6E9-49C4-83BF-168FC5D45A15}" type="datetimeFigureOut">
               <a:rPr lang="de-DE" smtClean="0"/>
-              <a:t>25.08.2025</a:t>
+              <a:t>07.09.2025</a:t>
             </a:fld>
             <a:endParaRPr lang="de-DE"/>
           </a:p>
@@ -2162,7 +2162,7 @@
           <a:p>
             <a:fld id="{883ECEF7-B6E9-49C4-83BF-168FC5D45A15}" type="datetimeFigureOut">
               <a:rPr lang="de-DE" smtClean="0"/>
-              <a:t>25.08.2025</a:t>
+              <a:t>07.09.2025</a:t>
             </a:fld>
             <a:endParaRPr lang="de-DE"/>
           </a:p>
@@ -2257,7 +2257,7 @@
           <a:p>
             <a:fld id="{883ECEF7-B6E9-49C4-83BF-168FC5D45A15}" type="datetimeFigureOut">
               <a:rPr lang="de-DE" smtClean="0"/>
-              <a:t>25.08.2025</a:t>
+              <a:t>07.09.2025</a:t>
             </a:fld>
             <a:endParaRPr lang="de-DE"/>
           </a:p>
@@ -2534,7 +2534,7 @@
           <a:p>
             <a:fld id="{883ECEF7-B6E9-49C4-83BF-168FC5D45A15}" type="datetimeFigureOut">
               <a:rPr lang="de-DE" smtClean="0"/>
-              <a:t>25.08.2025</a:t>
+              <a:t>07.09.2025</a:t>
             </a:fld>
             <a:endParaRPr lang="de-DE"/>
           </a:p>
@@ -2791,7 +2791,7 @@
           <a:p>
             <a:fld id="{883ECEF7-B6E9-49C4-83BF-168FC5D45A15}" type="datetimeFigureOut">
               <a:rPr lang="de-DE" smtClean="0"/>
-              <a:t>25.08.2025</a:t>
+              <a:t>07.09.2025</a:t>
             </a:fld>
             <a:endParaRPr lang="de-DE"/>
           </a:p>
@@ -3004,7 +3004,7 @@
           <a:p>
             <a:fld id="{883ECEF7-B6E9-49C4-83BF-168FC5D45A15}" type="datetimeFigureOut">
               <a:rPr lang="de-DE" smtClean="0"/>
-              <a:t>25.08.2025</a:t>
+              <a:t>07.09.2025</a:t>
             </a:fld>
             <a:endParaRPr lang="de-DE"/>
           </a:p>
@@ -19317,138 +19317,6 @@
       </p:sp>
       <p:sp>
         <p:nvSpPr>
-          <p:cNvPr id="21" name="Rechteck: abgerundete Ecken 20">
-            <a:extLst>
-              <a:ext uri="{FF2B5EF4-FFF2-40B4-BE49-F238E27FC236}">
-                <a16:creationId xmlns:a16="http://schemas.microsoft.com/office/drawing/2014/main" id="{25397D63-BE9A-EFF8-4CD3-B8B707F5A43C}"/>
-              </a:ext>
-            </a:extLst>
-          </p:cNvPr>
-          <p:cNvSpPr/>
-          <p:nvPr/>
-        </p:nvSpPr>
-        <p:spPr>
-          <a:xfrm>
-            <a:off x="5211160" y="1248271"/>
-            <a:ext cx="1172764" cy="453550"/>
-          </a:xfrm>
-          <a:prstGeom prst="roundRect">
-            <a:avLst/>
-          </a:prstGeom>
-          <a:solidFill>
-            <a:schemeClr val="tx1">
-              <a:lumMod val="50000"/>
-              <a:lumOff val="50000"/>
-            </a:schemeClr>
-          </a:solidFill>
-          <a:ln w="34925" cmpd="thickThin"/>
-        </p:spPr>
-        <p:style>
-          <a:lnRef idx="2">
-            <a:schemeClr val="accent1">
-              <a:shade val="15000"/>
-            </a:schemeClr>
-          </a:lnRef>
-          <a:fillRef idx="1">
-            <a:schemeClr val="accent1"/>
-          </a:fillRef>
-          <a:effectRef idx="0">
-            <a:schemeClr val="accent1"/>
-          </a:effectRef>
-          <a:fontRef idx="minor">
-            <a:schemeClr val="lt1"/>
-          </a:fontRef>
-        </p:style>
-        <p:txBody>
-          <a:bodyPr rtlCol="0" anchor="ctr"/>
-          <a:lstStyle/>
-          <a:p>
-            <a:pPr algn="ctr" defTabSz="959937">
-              <a:defRPr/>
-            </a:pPr>
-            <a:r>
-              <a:rPr lang="de-DE" sz="1890" dirty="0" err="1">
-                <a:solidFill>
-                  <a:schemeClr val="bg1"/>
-                </a:solidFill>
-                <a:latin typeface="Aptos" panose="02110004020202020204"/>
-              </a:rPr>
-              <a:t>Stop</a:t>
-            </a:r>
-            <a:endParaRPr lang="de-DE" sz="1890" dirty="0">
-              <a:solidFill>
-                <a:schemeClr val="bg1"/>
-              </a:solidFill>
-              <a:latin typeface="Aptos" panose="02110004020202020204"/>
-            </a:endParaRPr>
-          </a:p>
-        </p:txBody>
-      </p:sp>
-      <p:sp>
-        <p:nvSpPr>
-          <p:cNvPr id="22" name="Rechteck: abgerundete Ecken 21">
-            <a:extLst>
-              <a:ext uri="{FF2B5EF4-FFF2-40B4-BE49-F238E27FC236}">
-                <a16:creationId xmlns:a16="http://schemas.microsoft.com/office/drawing/2014/main" id="{72CDDA83-7586-0D7A-EFF7-50326E27DA75}"/>
-              </a:ext>
-            </a:extLst>
-          </p:cNvPr>
-          <p:cNvSpPr/>
-          <p:nvPr/>
-        </p:nvSpPr>
-        <p:spPr>
-          <a:xfrm>
-            <a:off x="6570881" y="1642912"/>
-            <a:ext cx="1172764" cy="453550"/>
-          </a:xfrm>
-          <a:prstGeom prst="roundRect">
-            <a:avLst/>
-          </a:prstGeom>
-          <a:solidFill>
-            <a:schemeClr val="tx1">
-              <a:lumMod val="50000"/>
-              <a:lumOff val="50000"/>
-            </a:schemeClr>
-          </a:solidFill>
-          <a:ln w="34925" cmpd="thickThin"/>
-        </p:spPr>
-        <p:style>
-          <a:lnRef idx="2">
-            <a:schemeClr val="accent1">
-              <a:shade val="15000"/>
-            </a:schemeClr>
-          </a:lnRef>
-          <a:fillRef idx="1">
-            <a:schemeClr val="accent1"/>
-          </a:fillRef>
-          <a:effectRef idx="0">
-            <a:schemeClr val="accent1"/>
-          </a:effectRef>
-          <a:fontRef idx="minor">
-            <a:schemeClr val="lt1"/>
-          </a:fontRef>
-        </p:style>
-        <p:txBody>
-          <a:bodyPr rtlCol="0" anchor="ctr"/>
-          <a:lstStyle/>
-          <a:p>
-            <a:pPr algn="ctr" defTabSz="959937">
-              <a:defRPr/>
-            </a:pPr>
-            <a:r>
-              <a:rPr lang="de-DE" sz="1890" dirty="0">
-                <a:solidFill>
-                  <a:schemeClr val="bg1"/>
-                </a:solidFill>
-                <a:latin typeface="Aptos" panose="02110004020202020204"/>
-              </a:rPr>
-              <a:t>Start</a:t>
-            </a:r>
-          </a:p>
-        </p:txBody>
-      </p:sp>
-      <p:sp>
-        <p:nvSpPr>
           <p:cNvPr id="23" name="Rechteck: abgerundete Ecken 22">
             <a:extLst>
               <a:ext uri="{FF2B5EF4-FFF2-40B4-BE49-F238E27FC236}">
@@ -19946,195 +19814,6 @@
             <a:r>
               <a:rPr lang="de-DE" sz="2100" dirty="0"/>
               <a:t>Description</a:t>
-            </a:r>
-          </a:p>
-        </p:txBody>
-      </p:sp>
-      <p:sp>
-        <p:nvSpPr>
-          <p:cNvPr id="15" name="Rechteck: abgerundete Ecken 14">
-            <a:extLst>
-              <a:ext uri="{FF2B5EF4-FFF2-40B4-BE49-F238E27FC236}">
-                <a16:creationId xmlns:a16="http://schemas.microsoft.com/office/drawing/2014/main" id="{3AE0CD77-AB95-B6B9-7DAD-6DEB3A981D39}"/>
-              </a:ext>
-            </a:extLst>
-          </p:cNvPr>
-          <p:cNvSpPr/>
-          <p:nvPr/>
-        </p:nvSpPr>
-        <p:spPr>
-          <a:xfrm>
-            <a:off x="617798" y="5383085"/>
-            <a:ext cx="1292545" cy="453550"/>
-          </a:xfrm>
-          <a:prstGeom prst="roundRect">
-            <a:avLst/>
-          </a:prstGeom>
-          <a:solidFill>
-            <a:schemeClr val="tx1">
-              <a:lumMod val="50000"/>
-              <a:lumOff val="50000"/>
-            </a:schemeClr>
-          </a:solidFill>
-          <a:ln w="34925" cmpd="thickThin"/>
-        </p:spPr>
-        <p:style>
-          <a:lnRef idx="2">
-            <a:schemeClr val="accent1">
-              <a:shade val="15000"/>
-            </a:schemeClr>
-          </a:lnRef>
-          <a:fillRef idx="1">
-            <a:schemeClr val="accent1"/>
-          </a:fillRef>
-          <a:effectRef idx="0">
-            <a:schemeClr val="accent1"/>
-          </a:effectRef>
-          <a:fontRef idx="minor">
-            <a:schemeClr val="lt1"/>
-          </a:fontRef>
-        </p:style>
-        <p:txBody>
-          <a:bodyPr rtlCol="0" anchor="ctr"/>
-          <a:lstStyle/>
-          <a:p>
-            <a:pPr algn="ctr" defTabSz="959937">
-              <a:defRPr/>
-            </a:pPr>
-            <a:r>
-              <a:rPr lang="de-DE" sz="1890" dirty="0">
-                <a:solidFill>
-                  <a:schemeClr val="bg1"/>
-                </a:solidFill>
-                <a:latin typeface="Aptos" panose="02110004020202020204"/>
-              </a:rPr>
-              <a:t>Export</a:t>
-            </a:r>
-          </a:p>
-        </p:txBody>
-      </p:sp>
-      <p:sp>
-        <p:nvSpPr>
-          <p:cNvPr id="19" name="Rechteck: abgerundete Ecken 18">
-            <a:extLst>
-              <a:ext uri="{FF2B5EF4-FFF2-40B4-BE49-F238E27FC236}">
-                <a16:creationId xmlns:a16="http://schemas.microsoft.com/office/drawing/2014/main" id="{791CE99A-8258-0152-4EDC-32E244F84EDD}"/>
-              </a:ext>
-            </a:extLst>
-          </p:cNvPr>
-          <p:cNvSpPr/>
-          <p:nvPr/>
-        </p:nvSpPr>
-        <p:spPr>
-          <a:xfrm>
-            <a:off x="626991" y="5965205"/>
-            <a:ext cx="1292545" cy="453550"/>
-          </a:xfrm>
-          <a:prstGeom prst="roundRect">
-            <a:avLst/>
-          </a:prstGeom>
-          <a:solidFill>
-            <a:schemeClr val="tx1">
-              <a:lumMod val="50000"/>
-              <a:lumOff val="50000"/>
-            </a:schemeClr>
-          </a:solidFill>
-          <a:ln w="34925" cmpd="thickThin"/>
-        </p:spPr>
-        <p:style>
-          <a:lnRef idx="2">
-            <a:schemeClr val="accent1">
-              <a:shade val="15000"/>
-            </a:schemeClr>
-          </a:lnRef>
-          <a:fillRef idx="1">
-            <a:schemeClr val="accent1"/>
-          </a:fillRef>
-          <a:effectRef idx="0">
-            <a:schemeClr val="accent1"/>
-          </a:effectRef>
-          <a:fontRef idx="minor">
-            <a:schemeClr val="lt1"/>
-          </a:fontRef>
-        </p:style>
-        <p:txBody>
-          <a:bodyPr rtlCol="0" anchor="ctr"/>
-          <a:lstStyle/>
-          <a:p>
-            <a:pPr algn="ctr" defTabSz="959937">
-              <a:defRPr/>
-            </a:pPr>
-            <a:r>
-              <a:rPr lang="de-DE" sz="1890" dirty="0">
-                <a:solidFill>
-                  <a:schemeClr val="bg1"/>
-                </a:solidFill>
-                <a:latin typeface="Aptos" panose="02110004020202020204"/>
-              </a:rPr>
-              <a:t>Import</a:t>
-            </a:r>
-          </a:p>
-        </p:txBody>
-      </p:sp>
-      <p:sp>
-        <p:nvSpPr>
-          <p:cNvPr id="3" name="Rechteck: abgerundete Ecken 2">
-            <a:extLst>
-              <a:ext uri="{FF2B5EF4-FFF2-40B4-BE49-F238E27FC236}">
-                <a16:creationId xmlns:a16="http://schemas.microsoft.com/office/drawing/2014/main" id="{F1D323AB-958B-CFC2-19EC-79529007D284}"/>
-              </a:ext>
-            </a:extLst>
-          </p:cNvPr>
-          <p:cNvSpPr/>
-          <p:nvPr/>
-        </p:nvSpPr>
-        <p:spPr>
-          <a:xfrm>
-            <a:off x="621465" y="6541269"/>
-            <a:ext cx="1292545" cy="453550"/>
-          </a:xfrm>
-          <a:prstGeom prst="roundRect">
-            <a:avLst/>
-          </a:prstGeom>
-          <a:solidFill>
-            <a:schemeClr val="tx1">
-              <a:lumMod val="50000"/>
-              <a:lumOff val="50000"/>
-            </a:schemeClr>
-          </a:solidFill>
-          <a:ln w="34925" cmpd="thickThin"/>
-        </p:spPr>
-        <p:style>
-          <a:lnRef idx="2">
-            <a:schemeClr val="accent1">
-              <a:shade val="15000"/>
-            </a:schemeClr>
-          </a:lnRef>
-          <a:fillRef idx="1">
-            <a:schemeClr val="accent1"/>
-          </a:fillRef>
-          <a:effectRef idx="0">
-            <a:schemeClr val="accent1"/>
-          </a:effectRef>
-          <a:fontRef idx="minor">
-            <a:schemeClr val="lt1"/>
-          </a:fontRef>
-        </p:style>
-        <p:txBody>
-          <a:bodyPr rtlCol="0" anchor="ctr"/>
-          <a:lstStyle/>
-          <a:p>
-            <a:pPr algn="ctr" defTabSz="959937">
-              <a:defRPr/>
-            </a:pPr>
-            <a:r>
-              <a:rPr lang="de-DE" sz="1890" dirty="0">
-                <a:solidFill>
-                  <a:schemeClr val="bg1"/>
-                </a:solidFill>
-                <a:latin typeface="Aptos" panose="02110004020202020204"/>
-              </a:rPr>
-              <a:t>Edit File</a:t>
             </a:r>
           </a:p>
         </p:txBody>

--- a/HourGlass/Assets/Präsentation3.pptx
+++ b/HourGlass/Assets/Präsentation3.pptx
@@ -197,7 +197,7 @@
           <a:p>
             <a:fld id="{1AA593C3-E430-4D35-AAB3-1ECEFE646914}" type="datetimeFigureOut">
               <a:rPr lang="de-DE" smtClean="0"/>
-              <a:t>07.09.2025</a:t>
+              <a:t>25.08.2025</a:t>
             </a:fld>
             <a:endParaRPr lang="de-DE"/>
           </a:p>
@@ -679,7 +679,7 @@
           <a:p>
             <a:fld id="{883ECEF7-B6E9-49C4-83BF-168FC5D45A15}" type="datetimeFigureOut">
               <a:rPr lang="de-DE" smtClean="0"/>
-              <a:t>07.09.2025</a:t>
+              <a:t>25.08.2025</a:t>
             </a:fld>
             <a:endParaRPr lang="de-DE"/>
           </a:p>
@@ -849,7 +849,7 @@
           <a:p>
             <a:fld id="{883ECEF7-B6E9-49C4-83BF-168FC5D45A15}" type="datetimeFigureOut">
               <a:rPr lang="de-DE" smtClean="0"/>
-              <a:t>07.09.2025</a:t>
+              <a:t>25.08.2025</a:t>
             </a:fld>
             <a:endParaRPr lang="de-DE"/>
           </a:p>
@@ -1029,7 +1029,7 @@
           <a:p>
             <a:fld id="{883ECEF7-B6E9-49C4-83BF-168FC5D45A15}" type="datetimeFigureOut">
               <a:rPr lang="de-DE" smtClean="0"/>
-              <a:t>07.09.2025</a:t>
+              <a:t>25.08.2025</a:t>
             </a:fld>
             <a:endParaRPr lang="de-DE"/>
           </a:p>
@@ -1199,7 +1199,7 @@
           <a:p>
             <a:fld id="{883ECEF7-B6E9-49C4-83BF-168FC5D45A15}" type="datetimeFigureOut">
               <a:rPr lang="de-DE" smtClean="0"/>
-              <a:t>07.09.2025</a:t>
+              <a:t>25.08.2025</a:t>
             </a:fld>
             <a:endParaRPr lang="de-DE"/>
           </a:p>
@@ -1445,7 +1445,7 @@
           <a:p>
             <a:fld id="{883ECEF7-B6E9-49C4-83BF-168FC5D45A15}" type="datetimeFigureOut">
               <a:rPr lang="de-DE" smtClean="0"/>
-              <a:t>07.09.2025</a:t>
+              <a:t>25.08.2025</a:t>
             </a:fld>
             <a:endParaRPr lang="de-DE"/>
           </a:p>
@@ -1677,7 +1677,7 @@
           <a:p>
             <a:fld id="{883ECEF7-B6E9-49C4-83BF-168FC5D45A15}" type="datetimeFigureOut">
               <a:rPr lang="de-DE" smtClean="0"/>
-              <a:t>07.09.2025</a:t>
+              <a:t>25.08.2025</a:t>
             </a:fld>
             <a:endParaRPr lang="de-DE"/>
           </a:p>
@@ -2044,7 +2044,7 @@
           <a:p>
             <a:fld id="{883ECEF7-B6E9-49C4-83BF-168FC5D45A15}" type="datetimeFigureOut">
               <a:rPr lang="de-DE" smtClean="0"/>
-              <a:t>07.09.2025</a:t>
+              <a:t>25.08.2025</a:t>
             </a:fld>
             <a:endParaRPr lang="de-DE"/>
           </a:p>
@@ -2162,7 +2162,7 @@
           <a:p>
             <a:fld id="{883ECEF7-B6E9-49C4-83BF-168FC5D45A15}" type="datetimeFigureOut">
               <a:rPr lang="de-DE" smtClean="0"/>
-              <a:t>07.09.2025</a:t>
+              <a:t>25.08.2025</a:t>
             </a:fld>
             <a:endParaRPr lang="de-DE"/>
           </a:p>
@@ -2257,7 +2257,7 @@
           <a:p>
             <a:fld id="{883ECEF7-B6E9-49C4-83BF-168FC5D45A15}" type="datetimeFigureOut">
               <a:rPr lang="de-DE" smtClean="0"/>
-              <a:t>07.09.2025</a:t>
+              <a:t>25.08.2025</a:t>
             </a:fld>
             <a:endParaRPr lang="de-DE"/>
           </a:p>
@@ -2534,7 +2534,7 @@
           <a:p>
             <a:fld id="{883ECEF7-B6E9-49C4-83BF-168FC5D45A15}" type="datetimeFigureOut">
               <a:rPr lang="de-DE" smtClean="0"/>
-              <a:t>07.09.2025</a:t>
+              <a:t>25.08.2025</a:t>
             </a:fld>
             <a:endParaRPr lang="de-DE"/>
           </a:p>
@@ -2791,7 +2791,7 @@
           <a:p>
             <a:fld id="{883ECEF7-B6E9-49C4-83BF-168FC5D45A15}" type="datetimeFigureOut">
               <a:rPr lang="de-DE" smtClean="0"/>
-              <a:t>07.09.2025</a:t>
+              <a:t>25.08.2025</a:t>
             </a:fld>
             <a:endParaRPr lang="de-DE"/>
           </a:p>
@@ -3004,7 +3004,7 @@
           <a:p>
             <a:fld id="{883ECEF7-B6E9-49C4-83BF-168FC5D45A15}" type="datetimeFigureOut">
               <a:rPr lang="de-DE" smtClean="0"/>
-              <a:t>07.09.2025</a:t>
+              <a:t>25.08.2025</a:t>
             </a:fld>
             <a:endParaRPr lang="de-DE"/>
           </a:p>
@@ -19317,6 +19317,138 @@
       </p:sp>
       <p:sp>
         <p:nvSpPr>
+          <p:cNvPr id="21" name="Rechteck: abgerundete Ecken 20">
+            <a:extLst>
+              <a:ext uri="{FF2B5EF4-FFF2-40B4-BE49-F238E27FC236}">
+                <a16:creationId xmlns:a16="http://schemas.microsoft.com/office/drawing/2014/main" id="{25397D63-BE9A-EFF8-4CD3-B8B707F5A43C}"/>
+              </a:ext>
+            </a:extLst>
+          </p:cNvPr>
+          <p:cNvSpPr/>
+          <p:nvPr/>
+        </p:nvSpPr>
+        <p:spPr>
+          <a:xfrm>
+            <a:off x="5211160" y="1248271"/>
+            <a:ext cx="1172764" cy="453550"/>
+          </a:xfrm>
+          <a:prstGeom prst="roundRect">
+            <a:avLst/>
+          </a:prstGeom>
+          <a:solidFill>
+            <a:schemeClr val="tx1">
+              <a:lumMod val="50000"/>
+              <a:lumOff val="50000"/>
+            </a:schemeClr>
+          </a:solidFill>
+          <a:ln w="34925" cmpd="thickThin"/>
+        </p:spPr>
+        <p:style>
+          <a:lnRef idx="2">
+            <a:schemeClr val="accent1">
+              <a:shade val="15000"/>
+            </a:schemeClr>
+          </a:lnRef>
+          <a:fillRef idx="1">
+            <a:schemeClr val="accent1"/>
+          </a:fillRef>
+          <a:effectRef idx="0">
+            <a:schemeClr val="accent1"/>
+          </a:effectRef>
+          <a:fontRef idx="minor">
+            <a:schemeClr val="lt1"/>
+          </a:fontRef>
+        </p:style>
+        <p:txBody>
+          <a:bodyPr rtlCol="0" anchor="ctr"/>
+          <a:lstStyle/>
+          <a:p>
+            <a:pPr algn="ctr" defTabSz="959937">
+              <a:defRPr/>
+            </a:pPr>
+            <a:r>
+              <a:rPr lang="de-DE" sz="1890" dirty="0" err="1">
+                <a:solidFill>
+                  <a:schemeClr val="bg1"/>
+                </a:solidFill>
+                <a:latin typeface="Aptos" panose="02110004020202020204"/>
+              </a:rPr>
+              <a:t>Stop</a:t>
+            </a:r>
+            <a:endParaRPr lang="de-DE" sz="1890" dirty="0">
+              <a:solidFill>
+                <a:schemeClr val="bg1"/>
+              </a:solidFill>
+              <a:latin typeface="Aptos" panose="02110004020202020204"/>
+            </a:endParaRPr>
+          </a:p>
+        </p:txBody>
+      </p:sp>
+      <p:sp>
+        <p:nvSpPr>
+          <p:cNvPr id="22" name="Rechteck: abgerundete Ecken 21">
+            <a:extLst>
+              <a:ext uri="{FF2B5EF4-FFF2-40B4-BE49-F238E27FC236}">
+                <a16:creationId xmlns:a16="http://schemas.microsoft.com/office/drawing/2014/main" id="{72CDDA83-7586-0D7A-EFF7-50326E27DA75}"/>
+              </a:ext>
+            </a:extLst>
+          </p:cNvPr>
+          <p:cNvSpPr/>
+          <p:nvPr/>
+        </p:nvSpPr>
+        <p:spPr>
+          <a:xfrm>
+            <a:off x="6570881" y="1642912"/>
+            <a:ext cx="1172764" cy="453550"/>
+          </a:xfrm>
+          <a:prstGeom prst="roundRect">
+            <a:avLst/>
+          </a:prstGeom>
+          <a:solidFill>
+            <a:schemeClr val="tx1">
+              <a:lumMod val="50000"/>
+              <a:lumOff val="50000"/>
+            </a:schemeClr>
+          </a:solidFill>
+          <a:ln w="34925" cmpd="thickThin"/>
+        </p:spPr>
+        <p:style>
+          <a:lnRef idx="2">
+            <a:schemeClr val="accent1">
+              <a:shade val="15000"/>
+            </a:schemeClr>
+          </a:lnRef>
+          <a:fillRef idx="1">
+            <a:schemeClr val="accent1"/>
+          </a:fillRef>
+          <a:effectRef idx="0">
+            <a:schemeClr val="accent1"/>
+          </a:effectRef>
+          <a:fontRef idx="minor">
+            <a:schemeClr val="lt1"/>
+          </a:fontRef>
+        </p:style>
+        <p:txBody>
+          <a:bodyPr rtlCol="0" anchor="ctr"/>
+          <a:lstStyle/>
+          <a:p>
+            <a:pPr algn="ctr" defTabSz="959937">
+              <a:defRPr/>
+            </a:pPr>
+            <a:r>
+              <a:rPr lang="de-DE" sz="1890" dirty="0">
+                <a:solidFill>
+                  <a:schemeClr val="bg1"/>
+                </a:solidFill>
+                <a:latin typeface="Aptos" panose="02110004020202020204"/>
+              </a:rPr>
+              <a:t>Start</a:t>
+            </a:r>
+          </a:p>
+        </p:txBody>
+      </p:sp>
+      <p:sp>
+        <p:nvSpPr>
           <p:cNvPr id="23" name="Rechteck: abgerundete Ecken 22">
             <a:extLst>
               <a:ext uri="{FF2B5EF4-FFF2-40B4-BE49-F238E27FC236}">
@@ -19814,6 +19946,195 @@
             <a:r>
               <a:rPr lang="de-DE" sz="2100" dirty="0"/>
               <a:t>Description</a:t>
+            </a:r>
+          </a:p>
+        </p:txBody>
+      </p:sp>
+      <p:sp>
+        <p:nvSpPr>
+          <p:cNvPr id="15" name="Rechteck: abgerundete Ecken 14">
+            <a:extLst>
+              <a:ext uri="{FF2B5EF4-FFF2-40B4-BE49-F238E27FC236}">
+                <a16:creationId xmlns:a16="http://schemas.microsoft.com/office/drawing/2014/main" id="{3AE0CD77-AB95-B6B9-7DAD-6DEB3A981D39}"/>
+              </a:ext>
+            </a:extLst>
+          </p:cNvPr>
+          <p:cNvSpPr/>
+          <p:nvPr/>
+        </p:nvSpPr>
+        <p:spPr>
+          <a:xfrm>
+            <a:off x="617798" y="5383085"/>
+            <a:ext cx="1292545" cy="453550"/>
+          </a:xfrm>
+          <a:prstGeom prst="roundRect">
+            <a:avLst/>
+          </a:prstGeom>
+          <a:solidFill>
+            <a:schemeClr val="tx1">
+              <a:lumMod val="50000"/>
+              <a:lumOff val="50000"/>
+            </a:schemeClr>
+          </a:solidFill>
+          <a:ln w="34925" cmpd="thickThin"/>
+        </p:spPr>
+        <p:style>
+          <a:lnRef idx="2">
+            <a:schemeClr val="accent1">
+              <a:shade val="15000"/>
+            </a:schemeClr>
+          </a:lnRef>
+          <a:fillRef idx="1">
+            <a:schemeClr val="accent1"/>
+          </a:fillRef>
+          <a:effectRef idx="0">
+            <a:schemeClr val="accent1"/>
+          </a:effectRef>
+          <a:fontRef idx="minor">
+            <a:schemeClr val="lt1"/>
+          </a:fontRef>
+        </p:style>
+        <p:txBody>
+          <a:bodyPr rtlCol="0" anchor="ctr"/>
+          <a:lstStyle/>
+          <a:p>
+            <a:pPr algn="ctr" defTabSz="959937">
+              <a:defRPr/>
+            </a:pPr>
+            <a:r>
+              <a:rPr lang="de-DE" sz="1890" dirty="0">
+                <a:solidFill>
+                  <a:schemeClr val="bg1"/>
+                </a:solidFill>
+                <a:latin typeface="Aptos" panose="02110004020202020204"/>
+              </a:rPr>
+              <a:t>Export</a:t>
+            </a:r>
+          </a:p>
+        </p:txBody>
+      </p:sp>
+      <p:sp>
+        <p:nvSpPr>
+          <p:cNvPr id="19" name="Rechteck: abgerundete Ecken 18">
+            <a:extLst>
+              <a:ext uri="{FF2B5EF4-FFF2-40B4-BE49-F238E27FC236}">
+                <a16:creationId xmlns:a16="http://schemas.microsoft.com/office/drawing/2014/main" id="{791CE99A-8258-0152-4EDC-32E244F84EDD}"/>
+              </a:ext>
+            </a:extLst>
+          </p:cNvPr>
+          <p:cNvSpPr/>
+          <p:nvPr/>
+        </p:nvSpPr>
+        <p:spPr>
+          <a:xfrm>
+            <a:off x="626991" y="5965205"/>
+            <a:ext cx="1292545" cy="453550"/>
+          </a:xfrm>
+          <a:prstGeom prst="roundRect">
+            <a:avLst/>
+          </a:prstGeom>
+          <a:solidFill>
+            <a:schemeClr val="tx1">
+              <a:lumMod val="50000"/>
+              <a:lumOff val="50000"/>
+            </a:schemeClr>
+          </a:solidFill>
+          <a:ln w="34925" cmpd="thickThin"/>
+        </p:spPr>
+        <p:style>
+          <a:lnRef idx="2">
+            <a:schemeClr val="accent1">
+              <a:shade val="15000"/>
+            </a:schemeClr>
+          </a:lnRef>
+          <a:fillRef idx="1">
+            <a:schemeClr val="accent1"/>
+          </a:fillRef>
+          <a:effectRef idx="0">
+            <a:schemeClr val="accent1"/>
+          </a:effectRef>
+          <a:fontRef idx="minor">
+            <a:schemeClr val="lt1"/>
+          </a:fontRef>
+        </p:style>
+        <p:txBody>
+          <a:bodyPr rtlCol="0" anchor="ctr"/>
+          <a:lstStyle/>
+          <a:p>
+            <a:pPr algn="ctr" defTabSz="959937">
+              <a:defRPr/>
+            </a:pPr>
+            <a:r>
+              <a:rPr lang="de-DE" sz="1890" dirty="0">
+                <a:solidFill>
+                  <a:schemeClr val="bg1"/>
+                </a:solidFill>
+                <a:latin typeface="Aptos" panose="02110004020202020204"/>
+              </a:rPr>
+              <a:t>Import</a:t>
+            </a:r>
+          </a:p>
+        </p:txBody>
+      </p:sp>
+      <p:sp>
+        <p:nvSpPr>
+          <p:cNvPr id="3" name="Rechteck: abgerundete Ecken 2">
+            <a:extLst>
+              <a:ext uri="{FF2B5EF4-FFF2-40B4-BE49-F238E27FC236}">
+                <a16:creationId xmlns:a16="http://schemas.microsoft.com/office/drawing/2014/main" id="{F1D323AB-958B-CFC2-19EC-79529007D284}"/>
+              </a:ext>
+            </a:extLst>
+          </p:cNvPr>
+          <p:cNvSpPr/>
+          <p:nvPr/>
+        </p:nvSpPr>
+        <p:spPr>
+          <a:xfrm>
+            <a:off x="621465" y="6541269"/>
+            <a:ext cx="1292545" cy="453550"/>
+          </a:xfrm>
+          <a:prstGeom prst="roundRect">
+            <a:avLst/>
+          </a:prstGeom>
+          <a:solidFill>
+            <a:schemeClr val="tx1">
+              <a:lumMod val="50000"/>
+              <a:lumOff val="50000"/>
+            </a:schemeClr>
+          </a:solidFill>
+          <a:ln w="34925" cmpd="thickThin"/>
+        </p:spPr>
+        <p:style>
+          <a:lnRef idx="2">
+            <a:schemeClr val="accent1">
+              <a:shade val="15000"/>
+            </a:schemeClr>
+          </a:lnRef>
+          <a:fillRef idx="1">
+            <a:schemeClr val="accent1"/>
+          </a:fillRef>
+          <a:effectRef idx="0">
+            <a:schemeClr val="accent1"/>
+          </a:effectRef>
+          <a:fontRef idx="minor">
+            <a:schemeClr val="lt1"/>
+          </a:fontRef>
+        </p:style>
+        <p:txBody>
+          <a:bodyPr rtlCol="0" anchor="ctr"/>
+          <a:lstStyle/>
+          <a:p>
+            <a:pPr algn="ctr" defTabSz="959937">
+              <a:defRPr/>
+            </a:pPr>
+            <a:r>
+              <a:rPr lang="de-DE" sz="1890" dirty="0">
+                <a:solidFill>
+                  <a:schemeClr val="bg1"/>
+                </a:solidFill>
+                <a:latin typeface="Aptos" panose="02110004020202020204"/>
+              </a:rPr>
+              <a:t>Edit File</a:t>
             </a:r>
           </a:p>
         </p:txBody>

--- a/HourGlass/Assets/Präsentation3.pptx
+++ b/HourGlass/Assets/Präsentation3.pptx
@@ -197,7 +197,7 @@
           <a:p>
             <a:fld id="{1AA593C3-E430-4D35-AAB3-1ECEFE646914}" type="datetimeFigureOut">
               <a:rPr lang="de-DE" smtClean="0"/>
-              <a:t>07.09.2025</a:t>
+              <a:t>08.09.2025</a:t>
             </a:fld>
             <a:endParaRPr lang="de-DE"/>
           </a:p>
@@ -679,7 +679,7 @@
           <a:p>
             <a:fld id="{883ECEF7-B6E9-49C4-83BF-168FC5D45A15}" type="datetimeFigureOut">
               <a:rPr lang="de-DE" smtClean="0"/>
-              <a:t>07.09.2025</a:t>
+              <a:t>08.09.2025</a:t>
             </a:fld>
             <a:endParaRPr lang="de-DE"/>
           </a:p>
@@ -849,7 +849,7 @@
           <a:p>
             <a:fld id="{883ECEF7-B6E9-49C4-83BF-168FC5D45A15}" type="datetimeFigureOut">
               <a:rPr lang="de-DE" smtClean="0"/>
-              <a:t>07.09.2025</a:t>
+              <a:t>08.09.2025</a:t>
             </a:fld>
             <a:endParaRPr lang="de-DE"/>
           </a:p>
@@ -1029,7 +1029,7 @@
           <a:p>
             <a:fld id="{883ECEF7-B6E9-49C4-83BF-168FC5D45A15}" type="datetimeFigureOut">
               <a:rPr lang="de-DE" smtClean="0"/>
-              <a:t>07.09.2025</a:t>
+              <a:t>08.09.2025</a:t>
             </a:fld>
             <a:endParaRPr lang="de-DE"/>
           </a:p>
@@ -1199,7 +1199,7 @@
           <a:p>
             <a:fld id="{883ECEF7-B6E9-49C4-83BF-168FC5D45A15}" type="datetimeFigureOut">
               <a:rPr lang="de-DE" smtClean="0"/>
-              <a:t>07.09.2025</a:t>
+              <a:t>08.09.2025</a:t>
             </a:fld>
             <a:endParaRPr lang="de-DE"/>
           </a:p>
@@ -1445,7 +1445,7 @@
           <a:p>
             <a:fld id="{883ECEF7-B6E9-49C4-83BF-168FC5D45A15}" type="datetimeFigureOut">
               <a:rPr lang="de-DE" smtClean="0"/>
-              <a:t>07.09.2025</a:t>
+              <a:t>08.09.2025</a:t>
             </a:fld>
             <a:endParaRPr lang="de-DE"/>
           </a:p>
@@ -1677,7 +1677,7 @@
           <a:p>
             <a:fld id="{883ECEF7-B6E9-49C4-83BF-168FC5D45A15}" type="datetimeFigureOut">
               <a:rPr lang="de-DE" smtClean="0"/>
-              <a:t>07.09.2025</a:t>
+              <a:t>08.09.2025</a:t>
             </a:fld>
             <a:endParaRPr lang="de-DE"/>
           </a:p>
@@ -2044,7 +2044,7 @@
           <a:p>
             <a:fld id="{883ECEF7-B6E9-49C4-83BF-168FC5D45A15}" type="datetimeFigureOut">
               <a:rPr lang="de-DE" smtClean="0"/>
-              <a:t>07.09.2025</a:t>
+              <a:t>08.09.2025</a:t>
             </a:fld>
             <a:endParaRPr lang="de-DE"/>
           </a:p>
@@ -2162,7 +2162,7 @@
           <a:p>
             <a:fld id="{883ECEF7-B6E9-49C4-83BF-168FC5D45A15}" type="datetimeFigureOut">
               <a:rPr lang="de-DE" smtClean="0"/>
-              <a:t>07.09.2025</a:t>
+              <a:t>08.09.2025</a:t>
             </a:fld>
             <a:endParaRPr lang="de-DE"/>
           </a:p>
@@ -2257,7 +2257,7 @@
           <a:p>
             <a:fld id="{883ECEF7-B6E9-49C4-83BF-168FC5D45A15}" type="datetimeFigureOut">
               <a:rPr lang="de-DE" smtClean="0"/>
-              <a:t>07.09.2025</a:t>
+              <a:t>08.09.2025</a:t>
             </a:fld>
             <a:endParaRPr lang="de-DE"/>
           </a:p>
@@ -2534,7 +2534,7 @@
           <a:p>
             <a:fld id="{883ECEF7-B6E9-49C4-83BF-168FC5D45A15}" type="datetimeFigureOut">
               <a:rPr lang="de-DE" smtClean="0"/>
-              <a:t>07.09.2025</a:t>
+              <a:t>08.09.2025</a:t>
             </a:fld>
             <a:endParaRPr lang="de-DE"/>
           </a:p>
@@ -2791,7 +2791,7 @@
           <a:p>
             <a:fld id="{883ECEF7-B6E9-49C4-83BF-168FC5D45A15}" type="datetimeFigureOut">
               <a:rPr lang="de-DE" smtClean="0"/>
-              <a:t>07.09.2025</a:t>
+              <a:t>08.09.2025</a:t>
             </a:fld>
             <a:endParaRPr lang="de-DE"/>
           </a:p>
@@ -3004,7 +3004,7 @@
           <a:p>
             <a:fld id="{883ECEF7-B6E9-49C4-83BF-168FC5D45A15}" type="datetimeFigureOut">
               <a:rPr lang="de-DE" smtClean="0"/>
-              <a:t>07.09.2025</a:t>
+              <a:t>08.09.2025</a:t>
             </a:fld>
             <a:endParaRPr lang="de-DE"/>
           </a:p>
@@ -20020,163 +20020,6 @@
           </a:p>
         </p:txBody>
       </p:sp>
-      <p:sp>
-        <p:nvSpPr>
-          <p:cNvPr id="2" name="Ellipse 1">
-            <a:extLst>
-              <a:ext uri="{FF2B5EF4-FFF2-40B4-BE49-F238E27FC236}">
-                <a16:creationId xmlns:a16="http://schemas.microsoft.com/office/drawing/2014/main" id="{34CB0A75-BC89-4936-A3EB-003F521C2138}"/>
-              </a:ext>
-            </a:extLst>
-          </p:cNvPr>
-          <p:cNvSpPr/>
-          <p:nvPr/>
-        </p:nvSpPr>
-        <p:spPr>
-          <a:xfrm>
-            <a:off x="11513830" y="3232436"/>
-            <a:ext cx="558834" cy="545143"/>
-          </a:xfrm>
-          <a:prstGeom prst="ellipse">
-            <a:avLst/>
-          </a:prstGeom>
-          <a:solidFill>
-            <a:schemeClr val="tx1">
-              <a:lumMod val="50000"/>
-              <a:lumOff val="50000"/>
-            </a:schemeClr>
-          </a:solidFill>
-          <a:ln w="38100"/>
-        </p:spPr>
-        <p:style>
-          <a:lnRef idx="2">
-            <a:schemeClr val="accent1">
-              <a:shade val="15000"/>
-            </a:schemeClr>
-          </a:lnRef>
-          <a:fillRef idx="1">
-            <a:schemeClr val="accent1"/>
-          </a:fillRef>
-          <a:effectRef idx="0">
-            <a:schemeClr val="accent1"/>
-          </a:effectRef>
-          <a:fontRef idx="minor">
-            <a:schemeClr val="lt1"/>
-          </a:fontRef>
-        </p:style>
-        <p:txBody>
-          <a:bodyPr rtlCol="0" anchor="ctr"/>
-          <a:lstStyle/>
-          <a:p>
-            <a:pPr algn="ctr"/>
-            <a:endParaRPr lang="de-DE" sz="1890"/>
-          </a:p>
-        </p:txBody>
-      </p:sp>
-      <p:sp>
-        <p:nvSpPr>
-          <p:cNvPr id="6" name="Ellipse 5">
-            <a:extLst>
-              <a:ext uri="{FF2B5EF4-FFF2-40B4-BE49-F238E27FC236}">
-                <a16:creationId xmlns:a16="http://schemas.microsoft.com/office/drawing/2014/main" id="{B47E2BBE-7C9D-53D9-474C-C4BF26FDA94E}"/>
-              </a:ext>
-            </a:extLst>
-          </p:cNvPr>
-          <p:cNvSpPr/>
-          <p:nvPr/>
-        </p:nvSpPr>
-        <p:spPr>
-          <a:xfrm>
-            <a:off x="11513830" y="4160972"/>
-            <a:ext cx="558834" cy="545143"/>
-          </a:xfrm>
-          <a:prstGeom prst="ellipse">
-            <a:avLst/>
-          </a:prstGeom>
-          <a:solidFill>
-            <a:schemeClr val="bg2">
-              <a:lumMod val="50000"/>
-            </a:schemeClr>
-          </a:solidFill>
-          <a:ln w="38100"/>
-        </p:spPr>
-        <p:style>
-          <a:lnRef idx="2">
-            <a:schemeClr val="accent1">
-              <a:shade val="15000"/>
-            </a:schemeClr>
-          </a:lnRef>
-          <a:fillRef idx="1">
-            <a:schemeClr val="accent1"/>
-          </a:fillRef>
-          <a:effectRef idx="0">
-            <a:schemeClr val="accent1"/>
-          </a:effectRef>
-          <a:fontRef idx="minor">
-            <a:schemeClr val="lt1"/>
-          </a:fontRef>
-        </p:style>
-        <p:txBody>
-          <a:bodyPr rtlCol="0" anchor="ctr"/>
-          <a:lstStyle/>
-          <a:p>
-            <a:pPr algn="ctr"/>
-            <a:endParaRPr lang="de-DE" sz="1890" dirty="0"/>
-          </a:p>
-        </p:txBody>
-      </p:sp>
-      <p:sp>
-        <p:nvSpPr>
-          <p:cNvPr id="7" name="Ellipse 6">
-            <a:extLst>
-              <a:ext uri="{FF2B5EF4-FFF2-40B4-BE49-F238E27FC236}">
-                <a16:creationId xmlns:a16="http://schemas.microsoft.com/office/drawing/2014/main" id="{ABD46845-0BF7-80B5-39F7-E567CCB556EC}"/>
-              </a:ext>
-            </a:extLst>
-          </p:cNvPr>
-          <p:cNvSpPr/>
-          <p:nvPr/>
-        </p:nvSpPr>
-        <p:spPr>
-          <a:xfrm>
-            <a:off x="11513830" y="5110532"/>
-            <a:ext cx="558834" cy="545143"/>
-          </a:xfrm>
-          <a:prstGeom prst="ellipse">
-            <a:avLst/>
-          </a:prstGeom>
-          <a:solidFill>
-            <a:schemeClr val="bg2">
-              <a:lumMod val="50000"/>
-            </a:schemeClr>
-          </a:solidFill>
-          <a:ln w="38100"/>
-        </p:spPr>
-        <p:style>
-          <a:lnRef idx="2">
-            <a:schemeClr val="accent1">
-              <a:shade val="15000"/>
-            </a:schemeClr>
-          </a:lnRef>
-          <a:fillRef idx="1">
-            <a:schemeClr val="accent1"/>
-          </a:fillRef>
-          <a:effectRef idx="0">
-            <a:schemeClr val="accent1"/>
-          </a:effectRef>
-          <a:fontRef idx="minor">
-            <a:schemeClr val="lt1"/>
-          </a:fontRef>
-        </p:style>
-        <p:txBody>
-          <a:bodyPr rtlCol="0" anchor="ctr"/>
-          <a:lstStyle/>
-          <a:p>
-            <a:pPr algn="ctr"/>
-            <a:endParaRPr lang="de-DE" sz="1890" dirty="0"/>
-          </a:p>
-        </p:txBody>
-      </p:sp>
     </p:spTree>
     <p:extLst>
       <p:ext uri="{BB962C8B-B14F-4D97-AF65-F5344CB8AC3E}">
